--- a/デザインパターン概説.pptx
+++ b/デザインパターン概説.pptx
@@ -5,10 +5,10 @@
     <p:sldMasterId id="2147483648" r:id="rId1"/>
   </p:sldMasterIdLst>
   <p:notesMasterIdLst>
-    <p:notesMasterId r:id="rId10"/>
+    <p:notesMasterId r:id="rId11"/>
   </p:notesMasterIdLst>
   <p:handoutMasterIdLst>
-    <p:handoutMasterId r:id="rId11"/>
+    <p:handoutMasterId r:id="rId12"/>
   </p:handoutMasterIdLst>
   <p:sldIdLst>
     <p:sldId id="256" r:id="rId3"/>
@@ -18,6 +18,7 @@
     <p:sldId id="295" r:id="rId7"/>
     <p:sldId id="294" r:id="rId8"/>
     <p:sldId id="296" r:id="rId9"/>
+    <p:sldId id="299" r:id="rId10"/>
   </p:sldIdLst>
   <p:sldSz cx="12192000" cy="6858000"/>
   <p:notesSz cx="6858000" cy="9144000"/>
@@ -3631,7 +3632,7 @@
                 <a:ea typeface="Meiryo UI" panose="020B0604030504040204" charset="-128"/>
                 <a:cs typeface="Meiryo UI" panose="020B0604030504040204" charset="-128"/>
               </a:rPr>
-              <a:t>2025.02.02 </a:t>
+              <a:t>2025.02.16 </a:t>
             </a:r>
             <a:r>
               <a:rPr lang="ja-JP" altLang="en-US">
@@ -6114,7 +6115,7 @@
             <a:pPr algn="ctr"/>
             <a:r>
               <a:rPr lang="en-US" altLang="ja-JP"/>
-              <a:t>IData</a:t>
+              <a:t>INumber</a:t>
             </a:r>
             <a:endParaRPr lang="en-US" altLang="ja-JP"/>
           </a:p>
@@ -6161,7 +6162,7 @@
             <a:pPr algn="ctr"/>
             <a:r>
               <a:rPr lang="en-US" altLang="ja-JP"/>
-              <a:t>DataFromSql</a:t>
+              <a:t>NumberFromSql</a:t>
             </a:r>
             <a:endParaRPr lang="en-US" altLang="ja-JP"/>
           </a:p>
@@ -6208,7 +6209,7 @@
             <a:pPr algn="ctr"/>
             <a:r>
               <a:rPr lang="en-US" altLang="ja-JP"/>
-              <a:t>DataFake</a:t>
+              <a:t>NumberFake</a:t>
             </a:r>
             <a:endParaRPr lang="en-US" altLang="ja-JP"/>
           </a:p>
@@ -6587,6 +6588,916 @@
               <a:t>テスト用クラス</a:t>
             </a:r>
             <a:endParaRPr lang="ja-JP" altLang="en-US" sz="1600"/>
+          </a:p>
+        </p:txBody>
+      </p:sp>
+    </p:spTree>
+  </p:cSld>
+  <p:clrMapOvr>
+    <a:masterClrMapping/>
+  </p:clrMapOvr>
+</p:sld>
+</file>
+
+<file path=ppt/slides/slide8.xml><?xml version="1.0" encoding="utf-8"?>
+<p:sld xmlns:a="http://schemas.openxmlformats.org/drawingml/2006/main" xmlns:r="http://schemas.openxmlformats.org/officeDocument/2006/relationships" xmlns:p="http://schemas.openxmlformats.org/presentationml/2006/main">
+  <p:cSld>
+    <p:spTree>
+      <p:nvGrpSpPr>
+        <p:cNvPr id="1" name=""/>
+        <p:cNvGrpSpPr/>
+        <p:nvPr/>
+      </p:nvGrpSpPr>
+      <p:grpSpPr/>
+      <p:sp>
+        <p:nvSpPr>
+          <p:cNvPr id="2" name="タイトル 1"/>
+          <p:cNvSpPr>
+            <a:spLocks noGrp="1"/>
+          </p:cNvSpPr>
+          <p:nvPr>
+            <p:ph type="title"/>
+          </p:nvPr>
+        </p:nvSpPr>
+        <p:spPr/>
+        <p:txBody>
+          <a:bodyPr/>
+          <a:p>
+            <a:r>
+              <a:rPr lang="en-US" altLang="ja-JP">
+                <a:latin typeface="Meiryo UI" panose="020B0604030504040204" charset="-128"/>
+                <a:ea typeface="Meiryo UI" panose="020B0604030504040204" charset="-128"/>
+              </a:rPr>
+              <a:t>NullObject</a:t>
+            </a:r>
+            <a:r>
+              <a:rPr lang="ja-JP" altLang="en-US">
+                <a:latin typeface="Meiryo UI" panose="020B0604030504040204" charset="-128"/>
+                <a:ea typeface="Meiryo UI" panose="020B0604030504040204" charset="-128"/>
+              </a:rPr>
+              <a:t>パターン</a:t>
+            </a:r>
+            <a:endParaRPr lang="ja-JP" altLang="en-US">
+              <a:latin typeface="Meiryo UI" panose="020B0604030504040204" charset="-128"/>
+              <a:ea typeface="Meiryo UI" panose="020B0604030504040204" charset="-128"/>
+            </a:endParaRPr>
+          </a:p>
+        </p:txBody>
+      </p:sp>
+      <p:sp>
+        <p:nvSpPr>
+          <p:cNvPr id="21" name="コンテンツプレースホルダ 20"/>
+          <p:cNvSpPr>
+            <a:spLocks noGrp="1"/>
+          </p:cNvSpPr>
+          <p:nvPr>
+            <p:ph idx="1"/>
+          </p:nvPr>
+        </p:nvSpPr>
+        <p:spPr>
+          <a:xfrm>
+            <a:off x="838200" y="1825625"/>
+            <a:ext cx="10515600" cy="890270"/>
+          </a:xfrm>
+        </p:spPr>
+        <p:txBody>
+          <a:bodyPr>
+            <a:noAutofit/>
+          </a:bodyPr>
+          <a:p>
+            <a:pPr marL="0" indent="0">
+              <a:lnSpc>
+                <a:spcPct val="100000"/>
+              </a:lnSpc>
+              <a:buNone/>
+            </a:pPr>
+            <a:r>
+              <a:rPr lang="ja-JP" altLang="en-US" sz="2400">
+                <a:latin typeface="Meiryo UI" panose="020B0604030504040204" charset="-128"/>
+                <a:ea typeface="Meiryo UI" panose="020B0604030504040204" charset="-128"/>
+                <a:cs typeface="Meiryo UI" panose="020B0604030504040204" charset="-128"/>
+              </a:rPr>
+              <a:t>クライアントが毎回オブジェクトの</a:t>
+            </a:r>
+            <a:r>
+              <a:rPr lang="en-US" altLang="ja-JP" sz="2400">
+                <a:latin typeface="Meiryo UI" panose="020B0604030504040204" charset="-128"/>
+                <a:ea typeface="Meiryo UI" panose="020B0604030504040204" charset="-128"/>
+                <a:cs typeface="Meiryo UI" panose="020B0604030504040204" charset="-128"/>
+              </a:rPr>
+              <a:t>Null</a:t>
+            </a:r>
+            <a:r>
+              <a:rPr lang="ja-JP" altLang="en-US" sz="2400">
+                <a:latin typeface="Meiryo UI" panose="020B0604030504040204" charset="-128"/>
+                <a:ea typeface="Meiryo UI" panose="020B0604030504040204" charset="-128"/>
+                <a:cs typeface="Meiryo UI" panose="020B0604030504040204" charset="-128"/>
+              </a:rPr>
+              <a:t>チェックをしなくても良いようにサービス側は</a:t>
+            </a:r>
+            <a:r>
+              <a:rPr lang="en-US" altLang="ja-JP" sz="2400">
+                <a:latin typeface="Meiryo UI" panose="020B0604030504040204" charset="-128"/>
+                <a:ea typeface="Meiryo UI" panose="020B0604030504040204" charset="-128"/>
+                <a:cs typeface="Meiryo UI" panose="020B0604030504040204" charset="-128"/>
+              </a:rPr>
+              <a:t>Null</a:t>
+            </a:r>
+            <a:r>
+              <a:rPr lang="ja-JP" altLang="en-US" sz="2400">
+                <a:latin typeface="Meiryo UI" panose="020B0604030504040204" charset="-128"/>
+                <a:ea typeface="Meiryo UI" panose="020B0604030504040204" charset="-128"/>
+                <a:cs typeface="Meiryo UI" panose="020B0604030504040204" charset="-128"/>
+              </a:rPr>
+              <a:t>の代わりに</a:t>
+            </a:r>
+            <a:r>
+              <a:rPr lang="en-US" altLang="ja-JP" sz="2400">
+                <a:latin typeface="Meiryo UI" panose="020B0604030504040204" charset="-128"/>
+                <a:ea typeface="Meiryo UI" panose="020B0604030504040204" charset="-128"/>
+                <a:cs typeface="Meiryo UI" panose="020B0604030504040204" charset="-128"/>
+              </a:rPr>
+              <a:t>Null</a:t>
+            </a:r>
+            <a:r>
+              <a:rPr lang="ja-JP" altLang="en-US" sz="2400">
+                <a:latin typeface="Meiryo UI" panose="020B0604030504040204" charset="-128"/>
+                <a:ea typeface="Meiryo UI" panose="020B0604030504040204" charset="-128"/>
+                <a:cs typeface="Meiryo UI" panose="020B0604030504040204" charset="-128"/>
+              </a:rPr>
+              <a:t>オブジェクトを返却する。</a:t>
+            </a:r>
+            <a:endParaRPr lang="ja-JP" altLang="en-US" sz="2400">
+              <a:latin typeface="Meiryo UI" panose="020B0604030504040204" charset="-128"/>
+              <a:ea typeface="Meiryo UI" panose="020B0604030504040204" charset="-128"/>
+              <a:cs typeface="Meiryo UI" panose="020B0604030504040204" charset="-128"/>
+            </a:endParaRPr>
+          </a:p>
+        </p:txBody>
+      </p:sp>
+      <p:sp>
+        <p:nvSpPr>
+          <p:cNvPr id="20" name="四角形 19"/>
+          <p:cNvSpPr/>
+          <p:nvPr/>
+        </p:nvSpPr>
+        <p:spPr>
+          <a:xfrm>
+            <a:off x="925830" y="3622040"/>
+            <a:ext cx="2173605" cy="935990"/>
+          </a:xfrm>
+          <a:prstGeom prst="rect">
+            <a:avLst/>
+          </a:prstGeom>
+          <a:solidFill>
+            <a:srgbClr val="5A9DD6"/>
+          </a:solidFill>
+          <a:ln w="12700"/>
+        </p:spPr>
+        <p:style>
+          <a:lnRef idx="2">
+            <a:schemeClr val="accent1">
+              <a:shade val="50000"/>
+            </a:schemeClr>
+          </a:lnRef>
+          <a:fillRef idx="1">
+            <a:schemeClr val="accent1"/>
+          </a:fillRef>
+          <a:effectRef idx="0">
+            <a:schemeClr val="accent1"/>
+          </a:effectRef>
+          <a:fontRef idx="minor">
+            <a:schemeClr val="lt1"/>
+          </a:fontRef>
+        </p:style>
+        <p:txBody>
+          <a:bodyPr rtlCol="0" anchor="t" anchorCtr="0"/>
+          <a:p>
+            <a:pPr algn="ctr"/>
+            <a:r>
+              <a:rPr lang="en-US" altLang="ja-JP" sz="2400"/>
+              <a:t>Client</a:t>
+            </a:r>
+            <a:endParaRPr lang="en-US" altLang="ja-JP" sz="2400"/>
+          </a:p>
+        </p:txBody>
+      </p:sp>
+      <p:sp>
+        <p:nvSpPr>
+          <p:cNvPr id="5" name="四角形 4"/>
+          <p:cNvSpPr/>
+          <p:nvPr/>
+        </p:nvSpPr>
+        <p:spPr>
+          <a:xfrm>
+            <a:off x="7185660" y="3622040"/>
+            <a:ext cx="2566035" cy="935990"/>
+          </a:xfrm>
+          <a:prstGeom prst="rect">
+            <a:avLst/>
+          </a:prstGeom>
+          <a:solidFill>
+            <a:schemeClr val="accent1">
+              <a:lumMod val="50000"/>
+            </a:schemeClr>
+          </a:solidFill>
+          <a:ln w="12700"/>
+        </p:spPr>
+        <p:style>
+          <a:lnRef idx="2">
+            <a:schemeClr val="accent1">
+              <a:shade val="50000"/>
+            </a:schemeClr>
+          </a:lnRef>
+          <a:fillRef idx="1">
+            <a:schemeClr val="accent1"/>
+          </a:fillRef>
+          <a:effectRef idx="0">
+            <a:schemeClr val="accent1"/>
+          </a:effectRef>
+          <a:fontRef idx="minor">
+            <a:schemeClr val="lt1"/>
+          </a:fontRef>
+        </p:style>
+        <p:txBody>
+          <a:bodyPr rtlCol="0" anchor="ctr"/>
+          <a:p>
+            <a:pPr algn="ctr"/>
+            <a:r>
+              <a:rPr lang="en-US" altLang="ja-JP" sz="2400"/>
+              <a:t>&lt;interface&gt;</a:t>
+            </a:r>
+            <a:endParaRPr lang="en-US" altLang="ja-JP" sz="2400"/>
+          </a:p>
+          <a:p>
+            <a:pPr algn="ctr"/>
+            <a:r>
+              <a:rPr lang="en-US" altLang="ja-JP" sz="2400"/>
+              <a:t>IProductEntity</a:t>
+            </a:r>
+            <a:endParaRPr lang="en-US" altLang="ja-JP" sz="2400"/>
+          </a:p>
+        </p:txBody>
+      </p:sp>
+      <p:sp>
+        <p:nvSpPr>
+          <p:cNvPr id="23" name="四角形 22"/>
+          <p:cNvSpPr/>
+          <p:nvPr/>
+        </p:nvSpPr>
+        <p:spPr>
+          <a:xfrm>
+            <a:off x="5740400" y="5537835"/>
+            <a:ext cx="2566035" cy="935990"/>
+          </a:xfrm>
+          <a:prstGeom prst="rect">
+            <a:avLst/>
+          </a:prstGeom>
+          <a:solidFill>
+            <a:srgbClr val="5A9DD6"/>
+          </a:solidFill>
+          <a:ln w="12700"/>
+        </p:spPr>
+        <p:style>
+          <a:lnRef idx="2">
+            <a:schemeClr val="accent1">
+              <a:shade val="50000"/>
+            </a:schemeClr>
+          </a:lnRef>
+          <a:fillRef idx="1">
+            <a:schemeClr val="accent1"/>
+          </a:fillRef>
+          <a:effectRef idx="0">
+            <a:schemeClr val="accent1"/>
+          </a:effectRef>
+          <a:fontRef idx="minor">
+            <a:schemeClr val="lt1"/>
+          </a:fontRef>
+        </p:style>
+        <p:txBody>
+          <a:bodyPr rtlCol="0" anchor="t" anchorCtr="0"/>
+          <a:p>
+            <a:pPr algn="ctr"/>
+            <a:r>
+              <a:rPr lang="en-US" altLang="ja-JP" sz="2400"/>
+              <a:t>ProductEntity</a:t>
+            </a:r>
+            <a:endParaRPr lang="en-US" altLang="ja-JP" sz="2400"/>
+          </a:p>
+        </p:txBody>
+      </p:sp>
+      <p:sp>
+        <p:nvSpPr>
+          <p:cNvPr id="24" name="四角形 23"/>
+          <p:cNvSpPr/>
+          <p:nvPr/>
+        </p:nvSpPr>
+        <p:spPr>
+          <a:xfrm>
+            <a:off x="8690610" y="5537835"/>
+            <a:ext cx="2566035" cy="935990"/>
+          </a:xfrm>
+          <a:prstGeom prst="rect">
+            <a:avLst/>
+          </a:prstGeom>
+          <a:solidFill>
+            <a:srgbClr val="5A9DD6"/>
+          </a:solidFill>
+          <a:ln w="12700"/>
+        </p:spPr>
+        <p:style>
+          <a:lnRef idx="2">
+            <a:schemeClr val="accent1">
+              <a:shade val="50000"/>
+            </a:schemeClr>
+          </a:lnRef>
+          <a:fillRef idx="1">
+            <a:schemeClr val="accent1"/>
+          </a:fillRef>
+          <a:effectRef idx="0">
+            <a:schemeClr val="accent1"/>
+          </a:effectRef>
+          <a:fontRef idx="minor">
+            <a:schemeClr val="lt1"/>
+          </a:fontRef>
+        </p:style>
+        <p:txBody>
+          <a:bodyPr rtlCol="0" anchor="t" anchorCtr="0"/>
+          <a:p>
+            <a:pPr algn="ctr"/>
+            <a:r>
+              <a:rPr lang="en-US" altLang="ja-JP" sz="2400"/>
+              <a:t>ProductEntityNull</a:t>
+            </a:r>
+            <a:endParaRPr lang="en-US" altLang="ja-JP" sz="2400"/>
+          </a:p>
+        </p:txBody>
+      </p:sp>
+      <p:cxnSp>
+        <p:nvCxnSpPr>
+          <p:cNvPr id="25" name="カギ線コネクタ 24"/>
+          <p:cNvCxnSpPr>
+            <a:stCxn id="24" idx="0"/>
+            <a:endCxn id="5" idx="2"/>
+          </p:cNvCxnSpPr>
+          <p:nvPr/>
+        </p:nvCxnSpPr>
+        <p:spPr>
+          <a:xfrm rot="16200000" flipV="1">
+            <a:off x="8731568" y="4295458"/>
+            <a:ext cx="979805" cy="1504950"/>
+          </a:xfrm>
+          <a:prstGeom prst="bentConnector3">
+            <a:avLst>
+              <a:gd name="adj1" fmla="val 50000"/>
+            </a:avLst>
+          </a:prstGeom>
+          <a:ln w="38100">
+            <a:headEnd type="none"/>
+            <a:tailEnd type="none"/>
+          </a:ln>
+        </p:spPr>
+        <p:style>
+          <a:lnRef idx="1">
+            <a:schemeClr val="accent1"/>
+          </a:lnRef>
+          <a:fillRef idx="0">
+            <a:schemeClr val="accent1"/>
+          </a:fillRef>
+          <a:effectRef idx="0">
+            <a:schemeClr val="accent1"/>
+          </a:effectRef>
+          <a:fontRef idx="minor">
+            <a:schemeClr val="tx1"/>
+          </a:fontRef>
+        </p:style>
+      </p:cxnSp>
+      <p:cxnSp>
+        <p:nvCxnSpPr>
+          <p:cNvPr id="26" name="カギ線コネクタ 25"/>
+          <p:cNvCxnSpPr>
+            <a:stCxn id="23" idx="0"/>
+            <a:endCxn id="5" idx="2"/>
+          </p:cNvCxnSpPr>
+          <p:nvPr/>
+        </p:nvCxnSpPr>
+        <p:spPr>
+          <a:xfrm rot="16200000">
+            <a:off x="7256463" y="4325303"/>
+            <a:ext cx="979805" cy="1445260"/>
+          </a:xfrm>
+          <a:prstGeom prst="bentConnector3">
+            <a:avLst>
+              <a:gd name="adj1" fmla="val 50000"/>
+            </a:avLst>
+          </a:prstGeom>
+          <a:ln w="38100">
+            <a:headEnd type="none"/>
+            <a:tailEnd type="none"/>
+          </a:ln>
+        </p:spPr>
+        <p:style>
+          <a:lnRef idx="1">
+            <a:schemeClr val="accent1"/>
+          </a:lnRef>
+          <a:fillRef idx="0">
+            <a:schemeClr val="accent1"/>
+          </a:fillRef>
+          <a:effectRef idx="0">
+            <a:schemeClr val="accent1"/>
+          </a:effectRef>
+          <a:fontRef idx="minor">
+            <a:schemeClr val="tx1"/>
+          </a:fontRef>
+        </p:style>
+      </p:cxnSp>
+      <p:cxnSp>
+        <p:nvCxnSpPr>
+          <p:cNvPr id="27" name="直線矢印コネクタ 26"/>
+          <p:cNvCxnSpPr>
+            <a:stCxn id="20" idx="3"/>
+            <a:endCxn id="3" idx="1"/>
+          </p:cNvCxnSpPr>
+          <p:nvPr/>
+        </p:nvCxnSpPr>
+        <p:spPr>
+          <a:xfrm>
+            <a:off x="3099435" y="4090035"/>
+            <a:ext cx="925830" cy="0"/>
+          </a:xfrm>
+          <a:prstGeom prst="straightConnector1">
+            <a:avLst/>
+          </a:prstGeom>
+          <a:ln w="38100">
+            <a:prstDash val="dash"/>
+            <a:tailEnd type="arrow"/>
+          </a:ln>
+        </p:spPr>
+        <p:style>
+          <a:lnRef idx="1">
+            <a:schemeClr val="accent1"/>
+          </a:lnRef>
+          <a:fillRef idx="0">
+            <a:schemeClr val="accent1"/>
+          </a:fillRef>
+          <a:effectRef idx="0">
+            <a:schemeClr val="accent1"/>
+          </a:effectRef>
+          <a:fontRef idx="minor">
+            <a:schemeClr val="tx1"/>
+          </a:fontRef>
+        </p:style>
+      </p:cxnSp>
+      <p:sp>
+        <p:nvSpPr>
+          <p:cNvPr id="10" name="角丸四角形吹き出し 9"/>
+          <p:cNvSpPr/>
+          <p:nvPr/>
+        </p:nvSpPr>
+        <p:spPr>
+          <a:xfrm>
+            <a:off x="10260330" y="4779010"/>
+            <a:ext cx="1781810" cy="476250"/>
+          </a:xfrm>
+          <a:prstGeom prst="wedgeRoundRectCallout">
+            <a:avLst>
+              <a:gd name="adj1" fmla="val -42230"/>
+              <a:gd name="adj2" fmla="val 114933"/>
+              <a:gd name="adj3" fmla="val 16667"/>
+            </a:avLst>
+          </a:prstGeom>
+        </p:spPr>
+        <p:style>
+          <a:lnRef idx="2">
+            <a:schemeClr val="accent2">
+              <a:shade val="50000"/>
+            </a:schemeClr>
+          </a:lnRef>
+          <a:fillRef idx="1">
+            <a:schemeClr val="accent2"/>
+          </a:fillRef>
+          <a:effectRef idx="0">
+            <a:schemeClr val="accent2"/>
+          </a:effectRef>
+          <a:fontRef idx="minor">
+            <a:schemeClr val="lt1"/>
+          </a:fontRef>
+        </p:style>
+        <p:txBody>
+          <a:bodyPr rtlCol="0" anchor="ctr"/>
+          <a:p>
+            <a:pPr algn="ctr"/>
+            <a:r>
+              <a:rPr lang="en-US" altLang="ja-JP" sz="1600"/>
+              <a:t>Null</a:t>
+            </a:r>
+            <a:r>
+              <a:rPr lang="ja-JP" altLang="en-US" sz="1600"/>
+              <a:t>用クラス</a:t>
+            </a:r>
+            <a:endParaRPr lang="ja-JP" altLang="en-US" sz="1600"/>
+          </a:p>
+        </p:txBody>
+      </p:sp>
+      <p:sp>
+        <p:nvSpPr>
+          <p:cNvPr id="12" name="二等辺三角形 11"/>
+          <p:cNvSpPr/>
+          <p:nvPr/>
+        </p:nvSpPr>
+        <p:spPr>
+          <a:xfrm>
+            <a:off x="8389620" y="4558030"/>
+            <a:ext cx="162560" cy="220980"/>
+          </a:xfrm>
+          <a:prstGeom prst="triangle">
+            <a:avLst/>
+          </a:prstGeom>
+          <a:solidFill>
+            <a:schemeClr val="bg1"/>
+          </a:solidFill>
+          <a:ln w="12700">
+            <a:solidFill>
+              <a:schemeClr val="accent1"/>
+            </a:solidFill>
+          </a:ln>
+        </p:spPr>
+        <p:style>
+          <a:lnRef idx="2">
+            <a:schemeClr val="accent1">
+              <a:shade val="50000"/>
+            </a:schemeClr>
+          </a:lnRef>
+          <a:fillRef idx="1">
+            <a:schemeClr val="accent1"/>
+          </a:fillRef>
+          <a:effectRef idx="0">
+            <a:schemeClr val="accent1"/>
+          </a:effectRef>
+          <a:fontRef idx="minor">
+            <a:schemeClr val="lt1"/>
+          </a:fontRef>
+        </p:style>
+        <p:txBody>
+          <a:bodyPr rtlCol="0" anchor="ctr"/>
+          <a:p>
+            <a:pPr algn="ctr"/>
+            <a:endParaRPr lang="ja-JP" altLang="en-US"/>
+          </a:p>
+        </p:txBody>
+      </p:sp>
+      <p:sp>
+        <p:nvSpPr>
+          <p:cNvPr id="3" name="四角形 2"/>
+          <p:cNvSpPr/>
+          <p:nvPr/>
+        </p:nvSpPr>
+        <p:spPr>
+          <a:xfrm>
+            <a:off x="4025265" y="3622040"/>
+            <a:ext cx="2173605" cy="935990"/>
+          </a:xfrm>
+          <a:prstGeom prst="rect">
+            <a:avLst/>
+          </a:prstGeom>
+          <a:solidFill>
+            <a:srgbClr val="5A9DD6"/>
+          </a:solidFill>
+          <a:ln w="12700"/>
+        </p:spPr>
+        <p:style>
+          <a:lnRef idx="2">
+            <a:schemeClr val="accent1">
+              <a:shade val="50000"/>
+            </a:schemeClr>
+          </a:lnRef>
+          <a:fillRef idx="1">
+            <a:schemeClr val="accent1"/>
+          </a:fillRef>
+          <a:effectRef idx="0">
+            <a:schemeClr val="accent1"/>
+          </a:effectRef>
+          <a:fontRef idx="minor">
+            <a:schemeClr val="lt1"/>
+          </a:fontRef>
+        </p:style>
+        <p:txBody>
+          <a:bodyPr rtlCol="0" anchor="t" anchorCtr="0"/>
+          <a:p>
+            <a:pPr algn="ctr"/>
+            <a:r>
+              <a:rPr lang="en-US" altLang="ja-JP" sz="2400"/>
+              <a:t>XXXX</a:t>
+            </a:r>
+            <a:endParaRPr lang="en-US" altLang="ja-JP" sz="2400"/>
+          </a:p>
+        </p:txBody>
+      </p:sp>
+      <p:cxnSp>
+        <p:nvCxnSpPr>
+          <p:cNvPr id="4" name="直線矢印コネクタ 3"/>
+          <p:cNvCxnSpPr>
+            <a:stCxn id="3" idx="3"/>
+            <a:endCxn id="5" idx="1"/>
+          </p:cNvCxnSpPr>
+          <p:nvPr/>
+        </p:nvCxnSpPr>
+        <p:spPr>
+          <a:xfrm>
+            <a:off x="6198870" y="4090035"/>
+            <a:ext cx="986790" cy="0"/>
+          </a:xfrm>
+          <a:prstGeom prst="straightConnector1">
+            <a:avLst/>
+          </a:prstGeom>
+          <a:ln w="38100">
+            <a:prstDash val="dash"/>
+            <a:tailEnd type="arrow"/>
+          </a:ln>
+        </p:spPr>
+        <p:style>
+          <a:lnRef idx="1">
+            <a:schemeClr val="accent1"/>
+          </a:lnRef>
+          <a:fillRef idx="0">
+            <a:schemeClr val="accent1"/>
+          </a:fillRef>
+          <a:effectRef idx="0">
+            <a:schemeClr val="accent1"/>
+          </a:effectRef>
+          <a:fontRef idx="minor">
+            <a:schemeClr val="tx1"/>
+          </a:fontRef>
+        </p:style>
+      </p:cxnSp>
+      <p:sp>
+        <p:nvSpPr>
+          <p:cNvPr id="7" name="角丸四角形吹き出し 6"/>
+          <p:cNvSpPr/>
+          <p:nvPr/>
+        </p:nvSpPr>
+        <p:spPr>
+          <a:xfrm>
+            <a:off x="2692400" y="4930775"/>
+            <a:ext cx="2663825" cy="845820"/>
+          </a:xfrm>
+          <a:prstGeom prst="wedgeRoundRectCallout">
+            <a:avLst>
+              <a:gd name="adj1" fmla="val 37580"/>
+              <a:gd name="adj2" fmla="val -112237"/>
+              <a:gd name="adj3" fmla="val 16667"/>
+            </a:avLst>
+          </a:prstGeom>
+        </p:spPr>
+        <p:style>
+          <a:lnRef idx="2">
+            <a:schemeClr val="accent2">
+              <a:shade val="50000"/>
+            </a:schemeClr>
+          </a:lnRef>
+          <a:fillRef idx="1">
+            <a:schemeClr val="accent2"/>
+          </a:fillRef>
+          <a:effectRef idx="0">
+            <a:schemeClr val="accent2"/>
+          </a:effectRef>
+          <a:fontRef idx="minor">
+            <a:schemeClr val="lt1"/>
+          </a:fontRef>
+        </p:style>
+        <p:txBody>
+          <a:bodyPr rtlCol="0" anchor="ctr"/>
+          <a:p>
+            <a:pPr algn="l"/>
+            <a:r>
+              <a:rPr lang="en-US" sz="1600"/>
+              <a:t>IProductEntity</a:t>
+            </a:r>
+            <a:r>
+              <a:rPr lang="ja-JP" altLang="en-US" sz="1600"/>
+              <a:t>オブジェクトを提供する何らかの</a:t>
+            </a:r>
+            <a:r>
+              <a:rPr lang="ja-JP" altLang="en-US" sz="1600"/>
+              <a:t>クラス</a:t>
+            </a:r>
+            <a:endParaRPr lang="ja-JP" altLang="en-US" sz="1600"/>
+          </a:p>
+        </p:txBody>
+      </p:sp>
+      <p:sp>
+        <p:nvSpPr>
+          <p:cNvPr id="13" name="コンテンツプレースホルダ 20"/>
+          <p:cNvSpPr>
+            <a:spLocks noGrp="1"/>
+          </p:cNvSpPr>
+          <p:nvPr/>
+        </p:nvSpPr>
+        <p:spPr>
+          <a:xfrm>
+            <a:off x="838200" y="2935605"/>
+            <a:ext cx="4400550" cy="504190"/>
+          </a:xfrm>
+          <a:prstGeom prst="rect">
+            <a:avLst/>
+          </a:prstGeom>
+        </p:spPr>
+        <p:txBody>
+          <a:bodyPr vert="horz" lIns="91440" tIns="45720" rIns="91440" bIns="45720" rtlCol="0">
+            <a:noAutofit/>
+          </a:bodyPr>
+          <a:lstStyle>
+            <a:lvl1pPr marL="228600" indent="-228600" algn="l" defTabSz="914400" rtl="0" eaLnBrk="1" latinLnBrk="0" hangingPunct="1">
+              <a:lnSpc>
+                <a:spcPct val="90000"/>
+              </a:lnSpc>
+              <a:spcBef>
+                <a:spcPts val="1000"/>
+              </a:spcBef>
+              <a:buFont typeface="Arial" panose="020B0604020202020204" pitchFamily="34" charset="0"/>
+              <a:buChar char="•"/>
+              <a:defRPr kumimoji="1" sz="2800" kern="1200">
+                <a:solidFill>
+                  <a:schemeClr val="tx1"/>
+                </a:solidFill>
+                <a:latin typeface="+mn-lt"/>
+                <a:ea typeface="+mn-ea"/>
+                <a:cs typeface="+mn-cs"/>
+              </a:defRPr>
+            </a:lvl1pPr>
+            <a:lvl2pPr marL="685800" indent="-228600" algn="l" defTabSz="914400" rtl="0" eaLnBrk="1" latinLnBrk="0" hangingPunct="1">
+              <a:lnSpc>
+                <a:spcPct val="90000"/>
+              </a:lnSpc>
+              <a:spcBef>
+                <a:spcPts val="500"/>
+              </a:spcBef>
+              <a:buFont typeface="Arial" panose="020B0604020202020204" pitchFamily="34" charset="0"/>
+              <a:buChar char="•"/>
+              <a:defRPr kumimoji="1" sz="2400" kern="1200">
+                <a:solidFill>
+                  <a:schemeClr val="tx1"/>
+                </a:solidFill>
+                <a:latin typeface="+mn-lt"/>
+                <a:ea typeface="+mn-ea"/>
+                <a:cs typeface="+mn-cs"/>
+              </a:defRPr>
+            </a:lvl2pPr>
+            <a:lvl3pPr marL="1143000" indent="-228600" algn="l" defTabSz="914400" rtl="0" eaLnBrk="1" latinLnBrk="0" hangingPunct="1">
+              <a:lnSpc>
+                <a:spcPct val="90000"/>
+              </a:lnSpc>
+              <a:spcBef>
+                <a:spcPts val="500"/>
+              </a:spcBef>
+              <a:buFont typeface="Arial" panose="020B0604020202020204" pitchFamily="34" charset="0"/>
+              <a:buChar char="•"/>
+              <a:defRPr kumimoji="1" sz="2000" kern="1200">
+                <a:solidFill>
+                  <a:schemeClr val="tx1"/>
+                </a:solidFill>
+                <a:latin typeface="+mn-lt"/>
+                <a:ea typeface="+mn-ea"/>
+                <a:cs typeface="+mn-cs"/>
+              </a:defRPr>
+            </a:lvl3pPr>
+            <a:lvl4pPr marL="1600200" indent="-228600" algn="l" defTabSz="914400" rtl="0" eaLnBrk="1" latinLnBrk="0" hangingPunct="1">
+              <a:lnSpc>
+                <a:spcPct val="90000"/>
+              </a:lnSpc>
+              <a:spcBef>
+                <a:spcPts val="500"/>
+              </a:spcBef>
+              <a:buFont typeface="Arial" panose="020B0604020202020204" pitchFamily="34" charset="0"/>
+              <a:buChar char="•"/>
+              <a:defRPr kumimoji="1" sz="1800" kern="1200">
+                <a:solidFill>
+                  <a:schemeClr val="tx1"/>
+                </a:solidFill>
+                <a:latin typeface="+mn-lt"/>
+                <a:ea typeface="+mn-ea"/>
+                <a:cs typeface="+mn-cs"/>
+              </a:defRPr>
+            </a:lvl4pPr>
+            <a:lvl5pPr marL="2057400" indent="-228600" algn="l" defTabSz="914400" rtl="0" eaLnBrk="1" latinLnBrk="0" hangingPunct="1">
+              <a:lnSpc>
+                <a:spcPct val="90000"/>
+              </a:lnSpc>
+              <a:spcBef>
+                <a:spcPts val="500"/>
+              </a:spcBef>
+              <a:buFont typeface="Arial" panose="020B0604020202020204" pitchFamily="34" charset="0"/>
+              <a:buChar char="•"/>
+              <a:defRPr kumimoji="1" sz="1800" kern="1200">
+                <a:solidFill>
+                  <a:schemeClr val="tx1"/>
+                </a:solidFill>
+                <a:latin typeface="+mn-lt"/>
+                <a:ea typeface="+mn-ea"/>
+                <a:cs typeface="+mn-cs"/>
+              </a:defRPr>
+            </a:lvl5pPr>
+            <a:lvl6pPr marL="2514600" indent="-228600" algn="l" defTabSz="914400" rtl="0" eaLnBrk="1" latinLnBrk="0" hangingPunct="1">
+              <a:lnSpc>
+                <a:spcPct val="90000"/>
+              </a:lnSpc>
+              <a:spcBef>
+                <a:spcPts val="500"/>
+              </a:spcBef>
+              <a:buFont typeface="Arial" panose="020B0604020202020204" pitchFamily="34" charset="0"/>
+              <a:buChar char="•"/>
+              <a:defRPr kumimoji="1" sz="1800" kern="1200">
+                <a:solidFill>
+                  <a:schemeClr val="tx1"/>
+                </a:solidFill>
+                <a:latin typeface="+mn-lt"/>
+                <a:ea typeface="+mn-ea"/>
+                <a:cs typeface="+mn-cs"/>
+              </a:defRPr>
+            </a:lvl6pPr>
+            <a:lvl7pPr marL="2971800" indent="-228600" algn="l" defTabSz="914400" rtl="0" eaLnBrk="1" latinLnBrk="0" hangingPunct="1">
+              <a:lnSpc>
+                <a:spcPct val="90000"/>
+              </a:lnSpc>
+              <a:spcBef>
+                <a:spcPts val="500"/>
+              </a:spcBef>
+              <a:buFont typeface="Arial" panose="020B0604020202020204" pitchFamily="34" charset="0"/>
+              <a:buChar char="•"/>
+              <a:defRPr kumimoji="1" sz="1800" kern="1200">
+                <a:solidFill>
+                  <a:schemeClr val="tx1"/>
+                </a:solidFill>
+                <a:latin typeface="+mn-lt"/>
+                <a:ea typeface="+mn-ea"/>
+                <a:cs typeface="+mn-cs"/>
+              </a:defRPr>
+            </a:lvl7pPr>
+            <a:lvl8pPr marL="3429000" indent="-228600" algn="l" defTabSz="914400" rtl="0" eaLnBrk="1" latinLnBrk="0" hangingPunct="1">
+              <a:lnSpc>
+                <a:spcPct val="90000"/>
+              </a:lnSpc>
+              <a:spcBef>
+                <a:spcPts val="500"/>
+              </a:spcBef>
+              <a:buFont typeface="Arial" panose="020B0604020202020204" pitchFamily="34" charset="0"/>
+              <a:buChar char="•"/>
+              <a:defRPr kumimoji="1" sz="1800" kern="1200">
+                <a:solidFill>
+                  <a:schemeClr val="tx1"/>
+                </a:solidFill>
+                <a:latin typeface="+mn-lt"/>
+                <a:ea typeface="+mn-ea"/>
+                <a:cs typeface="+mn-cs"/>
+              </a:defRPr>
+            </a:lvl8pPr>
+            <a:lvl9pPr marL="3886200" indent="-228600" algn="l" defTabSz="914400" rtl="0" eaLnBrk="1" latinLnBrk="0" hangingPunct="1">
+              <a:lnSpc>
+                <a:spcPct val="90000"/>
+              </a:lnSpc>
+              <a:spcBef>
+                <a:spcPts val="500"/>
+              </a:spcBef>
+              <a:buFont typeface="Arial" panose="020B0604020202020204" pitchFamily="34" charset="0"/>
+              <a:buChar char="•"/>
+              <a:defRPr kumimoji="1" sz="1800" kern="1200">
+                <a:solidFill>
+                  <a:schemeClr val="tx1"/>
+                </a:solidFill>
+                <a:latin typeface="+mn-lt"/>
+                <a:ea typeface="+mn-ea"/>
+                <a:cs typeface="+mn-cs"/>
+              </a:defRPr>
+            </a:lvl9pPr>
+          </a:lstStyle>
+          <a:p>
+            <a:pPr marL="0" indent="0">
+              <a:lnSpc>
+                <a:spcPct val="100000"/>
+              </a:lnSpc>
+              <a:buNone/>
+            </a:pPr>
+            <a:r>
+              <a:rPr lang="en-US" altLang="ja-JP" sz="2400" b="1">
+                <a:latin typeface="Meiryo UI" panose="020B0604030504040204" charset="-128"/>
+                <a:ea typeface="Meiryo UI" panose="020B0604030504040204" charset="-128"/>
+                <a:cs typeface="Meiryo UI" panose="020B0604030504040204" charset="-128"/>
+              </a:rPr>
+              <a:t>NullObject</a:t>
+            </a:r>
+            <a:r>
+              <a:rPr lang="ja-JP" altLang="en-US" sz="2400" b="1">
+                <a:latin typeface="Meiryo UI" panose="020B0604030504040204" charset="-128"/>
+                <a:ea typeface="Meiryo UI" panose="020B0604030504040204" charset="-128"/>
+                <a:cs typeface="Meiryo UI" panose="020B0604030504040204" charset="-128"/>
+              </a:rPr>
+              <a:t>パターンのクラス図</a:t>
+            </a:r>
+            <a:endParaRPr lang="ja-JP" altLang="en-US" sz="2400" b="1">
+              <a:latin typeface="Meiryo UI" panose="020B0604030504040204" charset="-128"/>
+              <a:ea typeface="Meiryo UI" panose="020B0604030504040204" charset="-128"/>
+              <a:cs typeface="Meiryo UI" panose="020B0604030504040204" charset="-128"/>
+            </a:endParaRPr>
           </a:p>
         </p:txBody>
       </p:sp>
